--- a/Splatoon 2 Presentation.pptx
+++ b/Splatoon 2 Presentation.pptx
@@ -11479,6 +11479,10 @@
                 <a:solidFill>
                   <a:schemeClr val="dk2"/>
                 </a:solidFill>
+                <a:latin typeface="Lato"/>
+                <a:ea typeface="Lato"/>
+                <a:cs typeface="Lato"/>
+                <a:sym typeface="Lato"/>
               </a:rPr>
               <a:t>Calculate p-value using Mann Whitney U test:</a:t>
             </a:r>
@@ -11486,6 +11490,10 @@
               <a:solidFill>
                 <a:schemeClr val="dk2"/>
               </a:solidFill>
+              <a:latin typeface="Lato"/>
+              <a:ea typeface="Lato"/>
+              <a:cs typeface="Lato"/>
+              <a:sym typeface="Lato"/>
             </a:endParaRPr>
           </a:p>
           <a:p>
@@ -11503,6 +11511,7 @@
                 <a:schemeClr val="dk2"/>
               </a:buClr>
               <a:buSzPts val="1200"/>
+              <a:buFont typeface="Lato"/>
               <a:buChar char="➔"/>
             </a:pPr>
             <a:r>
@@ -11510,6 +11519,10 @@
                 <a:solidFill>
                   <a:schemeClr val="dk2"/>
                 </a:solidFill>
+                <a:latin typeface="Lato"/>
+                <a:ea typeface="Lato"/>
+                <a:cs typeface="Lato"/>
+                <a:sym typeface="Lato"/>
               </a:rPr>
               <a:t>p =  0.064</a:t>
             </a:r>
@@ -11517,6 +11530,10 @@
               <a:solidFill>
                 <a:schemeClr val="dk2"/>
               </a:solidFill>
+              <a:latin typeface="Lato"/>
+              <a:ea typeface="Lato"/>
+              <a:cs typeface="Lato"/>
+              <a:sym typeface="Lato"/>
             </a:endParaRPr>
           </a:p>
           <a:p>
@@ -11539,6 +11556,10 @@
               <a:solidFill>
                 <a:schemeClr val="dk2"/>
               </a:solidFill>
+              <a:latin typeface="Lato"/>
+              <a:ea typeface="Lato"/>
+              <a:cs typeface="Lato"/>
+              <a:sym typeface="Lato"/>
             </a:endParaRPr>
           </a:p>
           <a:p>
@@ -11564,6 +11585,10 @@
                 <a:solidFill>
                   <a:schemeClr val="dk2"/>
                 </a:solidFill>
+                <a:latin typeface="Lato"/>
+                <a:ea typeface="Lato"/>
+                <a:cs typeface="Lato"/>
+                <a:sym typeface="Lato"/>
               </a:rPr>
               <a:t>Compare p-value to Rejection Threshold:</a:t>
             </a:r>
@@ -11571,6 +11596,10 @@
               <a:solidFill>
                 <a:schemeClr val="dk2"/>
               </a:solidFill>
+              <a:latin typeface="Lato"/>
+              <a:ea typeface="Lato"/>
+              <a:cs typeface="Lato"/>
+              <a:sym typeface="Lato"/>
             </a:endParaRPr>
           </a:p>
           <a:p>
@@ -11588,6 +11617,7 @@
                 <a:schemeClr val="dk2"/>
               </a:buClr>
               <a:buSzPts val="1200"/>
+              <a:buFont typeface="Lato"/>
               <a:buChar char="➔"/>
             </a:pPr>
             <a:r>
@@ -11595,6 +11625,10 @@
                 <a:solidFill>
                   <a:schemeClr val="dk2"/>
                 </a:solidFill>
+                <a:latin typeface="Lato"/>
+                <a:ea typeface="Lato"/>
+                <a:cs typeface="Lato"/>
+                <a:sym typeface="Lato"/>
               </a:rPr>
               <a:t>Fail to reject null hypothesis, meaning the data does not show that the N-ZAP ‘85 is used more than the Splattershot.</a:t>
             </a:r>
@@ -11602,6 +11636,10 @@
               <a:solidFill>
                 <a:schemeClr val="dk2"/>
               </a:solidFill>
+              <a:latin typeface="Lato"/>
+              <a:ea typeface="Lato"/>
+              <a:cs typeface="Lato"/>
+              <a:sym typeface="Lato"/>
             </a:endParaRPr>
           </a:p>
         </p:txBody>
@@ -12016,7 +12054,7 @@
             </a:pPr>
             <a:r>
               <a:rPr lang="en" sz="1400"/>
-              <a:t>Get data for Rank X (individual queue)  players to compare the differences to premade teams.</a:t>
+              <a:t>Get data for Rank X (solo queue)  players to compare the differences to premade teams.</a:t>
             </a:r>
             <a:endParaRPr sz="1400"/>
           </a:p>
